--- a/lecture_notes/week8/week8_maps_and_hashing.pptx
+++ b/lecture_notes/week8/week8_maps_and_hashing.pptx
@@ -2941,7 +2941,7 @@
           <a:p>
             <a:fld id="{ED9869CA-F724-400B-9726-11CBC5990295}" type="datetimeFigureOut">
               <a:rPr lang="en-AU" smtClean="0"/>
-              <a:t>26/06/2023</a:t>
+              <a:t>27/6/23</a:t>
             </a:fld>
             <a:endParaRPr lang="en-AU"/>
           </a:p>
@@ -3141,7 +3141,7 @@
           <a:p>
             <a:fld id="{ED9869CA-F724-400B-9726-11CBC5990295}" type="datetimeFigureOut">
               <a:rPr lang="en-AU" smtClean="0"/>
-              <a:t>26/06/2023</a:t>
+              <a:t>27/6/23</a:t>
             </a:fld>
             <a:endParaRPr lang="en-AU"/>
           </a:p>
@@ -3351,7 +3351,7 @@
           <a:p>
             <a:fld id="{ED9869CA-F724-400B-9726-11CBC5990295}" type="datetimeFigureOut">
               <a:rPr lang="en-AU" smtClean="0"/>
-              <a:t>26/06/2023</a:t>
+              <a:t>27/6/23</a:t>
             </a:fld>
             <a:endParaRPr lang="en-AU"/>
           </a:p>
@@ -3551,7 +3551,7 @@
           <a:p>
             <a:fld id="{ED9869CA-F724-400B-9726-11CBC5990295}" type="datetimeFigureOut">
               <a:rPr lang="en-AU" smtClean="0"/>
-              <a:t>26/06/2023</a:t>
+              <a:t>27/6/23</a:t>
             </a:fld>
             <a:endParaRPr lang="en-AU"/>
           </a:p>
@@ -3827,7 +3827,7 @@
           <a:p>
             <a:fld id="{ED9869CA-F724-400B-9726-11CBC5990295}" type="datetimeFigureOut">
               <a:rPr lang="en-AU" smtClean="0"/>
-              <a:t>26/06/2023</a:t>
+              <a:t>27/6/23</a:t>
             </a:fld>
             <a:endParaRPr lang="en-AU"/>
           </a:p>
@@ -4095,7 +4095,7 @@
           <a:p>
             <a:fld id="{ED9869CA-F724-400B-9726-11CBC5990295}" type="datetimeFigureOut">
               <a:rPr lang="en-AU" smtClean="0"/>
-              <a:t>26/06/2023</a:t>
+              <a:t>27/6/23</a:t>
             </a:fld>
             <a:endParaRPr lang="en-AU"/>
           </a:p>
@@ -4510,7 +4510,7 @@
           <a:p>
             <a:fld id="{ED9869CA-F724-400B-9726-11CBC5990295}" type="datetimeFigureOut">
               <a:rPr lang="en-AU" smtClean="0"/>
-              <a:t>26/06/2023</a:t>
+              <a:t>27/6/23</a:t>
             </a:fld>
             <a:endParaRPr lang="en-AU"/>
           </a:p>
@@ -4652,7 +4652,7 @@
           <a:p>
             <a:fld id="{ED9869CA-F724-400B-9726-11CBC5990295}" type="datetimeFigureOut">
               <a:rPr lang="en-AU" smtClean="0"/>
-              <a:t>26/06/2023</a:t>
+              <a:t>27/6/23</a:t>
             </a:fld>
             <a:endParaRPr lang="en-AU"/>
           </a:p>
@@ -4765,7 +4765,7 @@
           <a:p>
             <a:fld id="{ED9869CA-F724-400B-9726-11CBC5990295}" type="datetimeFigureOut">
               <a:rPr lang="en-AU" smtClean="0"/>
-              <a:t>26/06/2023</a:t>
+              <a:t>27/6/23</a:t>
             </a:fld>
             <a:endParaRPr lang="en-AU"/>
           </a:p>
@@ -5078,7 +5078,7 @@
           <a:p>
             <a:fld id="{ED9869CA-F724-400B-9726-11CBC5990295}" type="datetimeFigureOut">
               <a:rPr lang="en-AU" smtClean="0"/>
-              <a:t>26/06/2023</a:t>
+              <a:t>27/6/23</a:t>
             </a:fld>
             <a:endParaRPr lang="en-AU"/>
           </a:p>
@@ -5367,7 +5367,7 @@
           <a:p>
             <a:fld id="{ED9869CA-F724-400B-9726-11CBC5990295}" type="datetimeFigureOut">
               <a:rPr lang="en-AU" smtClean="0"/>
-              <a:t>26/06/2023</a:t>
+              <a:t>27/6/23</a:t>
             </a:fld>
             <a:endParaRPr lang="en-AU"/>
           </a:p>
@@ -5610,7 +5610,7 @@
           <a:p>
             <a:fld id="{ED9869CA-F724-400B-9726-11CBC5990295}" type="datetimeFigureOut">
               <a:rPr lang="en-AU" smtClean="0"/>
-              <a:t>26/06/2023</a:t>
+              <a:t>27/6/23</a:t>
             </a:fld>
             <a:endParaRPr lang="en-AU"/>
           </a:p>
@@ -6459,7 +6459,7 @@
                   <a:srgbClr val="FF0000"/>
                 </a:solidFill>
               </a:rPr>
-              <a:t>Unordered</a:t>
+              <a:t>Ordered</a:t>
             </a:r>
             <a:r>
               <a:rPr lang="en-CA" dirty="0"/>
@@ -7122,7 +7122,7 @@
                   <a:srgbClr val="FF0000"/>
                 </a:solidFill>
               </a:rPr>
-              <a:t>Unordered</a:t>
+              <a:t>Ordered</a:t>
             </a:r>
             <a:r>
               <a:rPr lang="en-CA" dirty="0"/>
